--- a/slides/genetic_data.pptx
+++ b/slides/genetic_data.pptx
@@ -4765,7 +4765,7 @@
           <a:graphicData uri="http://schemas.openxmlformats.org/presentationml/2006/ole">
             <mc:AlternateContent xmlns:mc="http://schemas.openxmlformats.org/markup-compatibility/2006">
               <mc:Choice xmlns:v="urn:schemas-microsoft-com:vml" Requires="v">
-                <p:oleObj spid="_x0000_s1029" name="Equation" r:id="rId3" imgW="114300" imgH="165100" progId="Equation.3">
+                <p:oleObj spid="_x0000_s1034" name="Equation" r:id="rId3" imgW="114300" imgH="165100" progId="Equation.3">
                   <p:embed/>
                 </p:oleObj>
               </mc:Choice>
@@ -4822,7 +4822,7 @@
           <a:graphicData uri="http://schemas.openxmlformats.org/presentationml/2006/ole">
             <mc:AlternateContent xmlns:mc="http://schemas.openxmlformats.org/markup-compatibility/2006">
               <mc:Choice xmlns:v="urn:schemas-microsoft-com:vml" Requires="v">
-                <p:oleObj spid="_x0000_s1030" name="Equation" r:id="rId5" imgW="939800" imgH="711200" progId="Equation.3">
+                <p:oleObj spid="_x0000_s1035" name="Equation" r:id="rId5" imgW="939800" imgH="711200" progId="Equation.3">
                   <p:embed/>
                 </p:oleObj>
               </mc:Choice>
@@ -5452,6 +5452,47 @@
         </p:blipFill>
         <p:spPr/>
       </p:pic>
+      <p:sp>
+        <p:nvSpPr>
+          <p:cNvPr id="3" name="TextBox 2"/>
+          <p:cNvSpPr txBox="1"/>
+          <p:nvPr/>
+        </p:nvSpPr>
+        <p:spPr>
+          <a:xfrm>
+            <a:off x="208643" y="526143"/>
+            <a:ext cx="2630714" cy="1477328"/>
+          </a:xfrm>
+          <a:prstGeom prst="rect">
+            <a:avLst/>
+          </a:prstGeom>
+          <a:noFill/>
+        </p:spPr>
+        <p:txBody>
+          <a:bodyPr wrap="square" rtlCol="0">
+            <a:spAutoFit/>
+          </a:bodyPr>
+          <a:lstStyle/>
+          <a:p>
+            <a:r>
+              <a:rPr lang="en-US" dirty="0">
+                <a:hlinkClick r:id="rId5"/>
+              </a:rPr>
+              <a:t>https://youtu.be/lVG04dAAyvY?list=PLlZbdY9YIhkN7JBqwGrOr3c-c5bW2Ott5&amp;t=</a:t>
+            </a:r>
+            <a:r>
+              <a:rPr lang="en-US" dirty="0" smtClean="0">
+                <a:hlinkClick r:id="rId5"/>
+              </a:rPr>
+              <a:t>39</a:t>
+            </a:r>
+            <a:endParaRPr lang="en-US" dirty="0" smtClean="0"/>
+          </a:p>
+          <a:p>
+            <a:endParaRPr lang="en-US" dirty="0"/>
+          </a:p>
+        </p:txBody>
+      </p:sp>
     </p:spTree>
     <p:extLst>
       <p:ext uri="{BB962C8B-B14F-4D97-AF65-F5344CB8AC3E}">
@@ -7470,7 +7511,6 @@
               <a:rPr lang="en-US" dirty="0" smtClean="0"/>
               <a:t>Allele frequencies</a:t>
             </a:r>
-            <a:endParaRPr lang="en-US" dirty="0" smtClean="0"/>
           </a:p>
           <a:p>
             <a:r>

--- a/slides/genetic_data.pptx
+++ b/slides/genetic_data.pptx
@@ -207,7 +207,7 @@
           <a:p>
             <a:fld id="{D0BBC27B-1CCA-914E-A18B-3B171E59E391}" type="datetimeFigureOut">
               <a:rPr lang="en-US" smtClean="0"/>
-              <a:t>19/05/16</a:t>
+              <a:t>05/06/16</a:t>
             </a:fld>
             <a:endParaRPr lang="en-US"/>
           </a:p>
@@ -1778,7 +1778,7 @@
           <a:p>
             <a:fld id="{30B16BF9-EB4B-CC4F-8AF0-BB475BFF0FFF}" type="datetimeFigureOut">
               <a:rPr lang="en-US" smtClean="0"/>
-              <a:t>19/05/16</a:t>
+              <a:t>05/06/16</a:t>
             </a:fld>
             <a:endParaRPr lang="en-US"/>
           </a:p>
@@ -1948,7 +1948,7 @@
           <a:p>
             <a:fld id="{30B16BF9-EB4B-CC4F-8AF0-BB475BFF0FFF}" type="datetimeFigureOut">
               <a:rPr lang="en-US" smtClean="0"/>
-              <a:t>19/05/16</a:t>
+              <a:t>05/06/16</a:t>
             </a:fld>
             <a:endParaRPr lang="en-US"/>
           </a:p>
@@ -2128,7 +2128,7 @@
           <a:p>
             <a:fld id="{30B16BF9-EB4B-CC4F-8AF0-BB475BFF0FFF}" type="datetimeFigureOut">
               <a:rPr lang="en-US" smtClean="0"/>
-              <a:t>19/05/16</a:t>
+              <a:t>05/06/16</a:t>
             </a:fld>
             <a:endParaRPr lang="en-US"/>
           </a:p>
@@ -2298,7 +2298,7 @@
           <a:p>
             <a:fld id="{30B16BF9-EB4B-CC4F-8AF0-BB475BFF0FFF}" type="datetimeFigureOut">
               <a:rPr lang="en-US" smtClean="0"/>
-              <a:t>19/05/16</a:t>
+              <a:t>05/06/16</a:t>
             </a:fld>
             <a:endParaRPr lang="en-US"/>
           </a:p>
@@ -2544,7 +2544,7 @@
           <a:p>
             <a:fld id="{30B16BF9-EB4B-CC4F-8AF0-BB475BFF0FFF}" type="datetimeFigureOut">
               <a:rPr lang="en-US" smtClean="0"/>
-              <a:t>19/05/16</a:t>
+              <a:t>05/06/16</a:t>
             </a:fld>
             <a:endParaRPr lang="en-US"/>
           </a:p>
@@ -2832,7 +2832,7 @@
           <a:p>
             <a:fld id="{30B16BF9-EB4B-CC4F-8AF0-BB475BFF0FFF}" type="datetimeFigureOut">
               <a:rPr lang="en-US" smtClean="0"/>
-              <a:t>19/05/16</a:t>
+              <a:t>05/06/16</a:t>
             </a:fld>
             <a:endParaRPr lang="en-US"/>
           </a:p>
@@ -3254,7 +3254,7 @@
           <a:p>
             <a:fld id="{30B16BF9-EB4B-CC4F-8AF0-BB475BFF0FFF}" type="datetimeFigureOut">
               <a:rPr lang="en-US" smtClean="0"/>
-              <a:t>19/05/16</a:t>
+              <a:t>05/06/16</a:t>
             </a:fld>
             <a:endParaRPr lang="en-US"/>
           </a:p>
@@ -3372,7 +3372,7 @@
           <a:p>
             <a:fld id="{30B16BF9-EB4B-CC4F-8AF0-BB475BFF0FFF}" type="datetimeFigureOut">
               <a:rPr lang="en-US" smtClean="0"/>
-              <a:t>19/05/16</a:t>
+              <a:t>05/06/16</a:t>
             </a:fld>
             <a:endParaRPr lang="en-US"/>
           </a:p>
@@ -3467,7 +3467,7 @@
           <a:p>
             <a:fld id="{30B16BF9-EB4B-CC4F-8AF0-BB475BFF0FFF}" type="datetimeFigureOut">
               <a:rPr lang="en-US" smtClean="0"/>
-              <a:t>19/05/16</a:t>
+              <a:t>05/06/16</a:t>
             </a:fld>
             <a:endParaRPr lang="en-US"/>
           </a:p>
@@ -3744,7 +3744,7 @@
           <a:p>
             <a:fld id="{30B16BF9-EB4B-CC4F-8AF0-BB475BFF0FFF}" type="datetimeFigureOut">
               <a:rPr lang="en-US" smtClean="0"/>
-              <a:t>19/05/16</a:t>
+              <a:t>05/06/16</a:t>
             </a:fld>
             <a:endParaRPr lang="en-US"/>
           </a:p>
@@ -3997,7 +3997,7 @@
           <a:p>
             <a:fld id="{30B16BF9-EB4B-CC4F-8AF0-BB475BFF0FFF}" type="datetimeFigureOut">
               <a:rPr lang="en-US" smtClean="0"/>
-              <a:t>19/05/16</a:t>
+              <a:t>05/06/16</a:t>
             </a:fld>
             <a:endParaRPr lang="en-US"/>
           </a:p>
@@ -4210,7 +4210,7 @@
           <a:p>
             <a:fld id="{30B16BF9-EB4B-CC4F-8AF0-BB475BFF0FFF}" type="datetimeFigureOut">
               <a:rPr lang="en-US" smtClean="0"/>
-              <a:t>19/05/16</a:t>
+              <a:t>05/06/16</a:t>
             </a:fld>
             <a:endParaRPr lang="en-US"/>
           </a:p>
@@ -4624,21 +4624,73 @@
           <a:lstStyle/>
           <a:p>
             <a:r>
-              <a:rPr lang="en-US" dirty="0" smtClean="0"/>
-              <a:t>Time for some cleaning</a:t>
-            </a:r>
-            <a:r>
-              <a:rPr lang="is-IS" dirty="0" smtClean="0"/>
-              <a:t>… </a:t>
-            </a:r>
-            <a:r>
-              <a:rPr lang="is-IS" i="1" dirty="0" smtClean="0"/>
-              <a:t>sigh</a:t>
+              <a:rPr lang="en-GB" dirty="0" smtClean="0"/>
+              <a:t>Gib Hemani</a:t>
             </a:r>
             <a:endParaRPr lang="en-US" i="1" dirty="0"/>
           </a:p>
         </p:txBody>
       </p:sp>
+      <p:pic>
+        <p:nvPicPr>
+          <p:cNvPr id="4" name="Picture 3" descr="uob80.png"/>
+          <p:cNvPicPr>
+            <a:picLocks noChangeAspect="1"/>
+          </p:cNvPicPr>
+          <p:nvPr/>
+        </p:nvPicPr>
+        <p:blipFill>
+          <a:blip r:embed="rId3">
+            <a:extLst>
+              <a:ext uri="{28A0092B-C50C-407E-A947-70E740481C1C}">
+                <a14:useLocalDpi xmlns:a14="http://schemas.microsoft.com/office/drawing/2010/main" val="0"/>
+              </a:ext>
+            </a:extLst>
+          </a:blip>
+          <a:stretch>
+            <a:fillRect/>
+          </a:stretch>
+        </p:blipFill>
+        <p:spPr>
+          <a:xfrm>
+            <a:off x="262012" y="5589240"/>
+            <a:ext cx="3517900" cy="1016000"/>
+          </a:xfrm>
+          <a:prstGeom prst="rect">
+            <a:avLst/>
+          </a:prstGeom>
+        </p:spPr>
+      </p:pic>
+      <p:pic>
+        <p:nvPicPr>
+          <p:cNvPr id="5" name="Picture 4" descr="ieu80.png"/>
+          <p:cNvPicPr>
+            <a:picLocks noChangeAspect="1"/>
+          </p:cNvPicPr>
+          <p:nvPr/>
+        </p:nvPicPr>
+        <p:blipFill>
+          <a:blip r:embed="rId4">
+            <a:extLst>
+              <a:ext uri="{28A0092B-C50C-407E-A947-70E740481C1C}">
+                <a14:useLocalDpi xmlns:a14="http://schemas.microsoft.com/office/drawing/2010/main" val="0"/>
+              </a:ext>
+            </a:extLst>
+          </a:blip>
+          <a:stretch>
+            <a:fillRect/>
+          </a:stretch>
+        </p:blipFill>
+        <p:spPr>
+          <a:xfrm>
+            <a:off x="4141440" y="5661248"/>
+            <a:ext cx="2590800" cy="1016000"/>
+          </a:xfrm>
+          <a:prstGeom prst="rect">
+            <a:avLst/>
+          </a:prstGeom>
+        </p:spPr>
+      </p:pic>
     </p:spTree>
     <p:extLst>
       <p:ext uri="{BB962C8B-B14F-4D97-AF65-F5344CB8AC3E}">
@@ -4765,7 +4817,7 @@
           <a:graphicData uri="http://schemas.openxmlformats.org/presentationml/2006/ole">
             <mc:AlternateContent xmlns:mc="http://schemas.openxmlformats.org/markup-compatibility/2006">
               <mc:Choice xmlns:v="urn:schemas-microsoft-com:vml" Requires="v">
-                <p:oleObj spid="_x0000_s1034" name="Equation" r:id="rId3" imgW="114300" imgH="165100" progId="Equation.3">
+                <p:oleObj spid="_x0000_s1037" name="Equation" r:id="rId3" imgW="114300" imgH="165100" progId="Equation.3">
                   <p:embed/>
                 </p:oleObj>
               </mc:Choice>
@@ -4822,7 +4874,7 @@
           <a:graphicData uri="http://schemas.openxmlformats.org/presentationml/2006/ole">
             <mc:AlternateContent xmlns:mc="http://schemas.openxmlformats.org/markup-compatibility/2006">
               <mc:Choice xmlns:v="urn:schemas-microsoft-com:vml" Requires="v">
-                <p:oleObj spid="_x0000_s1035" name="Equation" r:id="rId5" imgW="939800" imgH="711200" progId="Equation.3">
+                <p:oleObj spid="_x0000_s1038" name="Equation" r:id="rId5" imgW="939800" imgH="711200" progId="Equation.3">
                   <p:embed/>
                 </p:oleObj>
               </mc:Choice>
